--- a/Part 1 - Review/Powerpoint Slides/1-1_Introduction.pptx
+++ b/Part 1 - Review/Powerpoint Slides/1-1_Introduction.pptx
@@ -174,19 +174,19 @@
   </pc:docChgLst>
   <pc:docChgLst>
     <pc:chgData name="Luc Paoli" userId="28bcbf778cf7ff89" providerId="LiveId" clId="{79EF7E6F-AA6F-4035-8715-EAB82FD9E811}"/>
-    <pc:docChg chg="addSld modSld">
-      <pc:chgData name="Luc Paoli" userId="28bcbf778cf7ff89" providerId="LiveId" clId="{79EF7E6F-AA6F-4035-8715-EAB82FD9E811}" dt="2022-08-22T02:46:56.157" v="227" actId="20577"/>
+    <pc:docChg chg="custSel addSld delSld modSld">
+      <pc:chgData name="Luc Paoli" userId="28bcbf778cf7ff89" providerId="LiveId" clId="{79EF7E6F-AA6F-4035-8715-EAB82FD9E811}" dt="2022-08-25T11:46:40.691" v="913" actId="20577"/>
       <pc:docMkLst>
         <pc:docMk/>
       </pc:docMkLst>
       <pc:sldChg chg="modSp mod">
-        <pc:chgData name="Luc Paoli" userId="28bcbf778cf7ff89" providerId="LiveId" clId="{79EF7E6F-AA6F-4035-8715-EAB82FD9E811}" dt="2022-08-22T02:45:59.658" v="31" actId="20577"/>
+        <pc:chgData name="Luc Paoli" userId="28bcbf778cf7ff89" providerId="LiveId" clId="{79EF7E6F-AA6F-4035-8715-EAB82FD9E811}" dt="2022-08-25T11:39:08.858" v="302" actId="20577"/>
         <pc:sldMkLst>
           <pc:docMk/>
           <pc:sldMk cId="1780438321" sldId="364"/>
         </pc:sldMkLst>
         <pc:spChg chg="mod">
-          <ac:chgData name="Luc Paoli" userId="28bcbf778cf7ff89" providerId="LiveId" clId="{79EF7E6F-AA6F-4035-8715-EAB82FD9E811}" dt="2022-08-22T02:45:59.658" v="31" actId="20577"/>
+          <ac:chgData name="Luc Paoli" userId="28bcbf778cf7ff89" providerId="LiveId" clId="{79EF7E6F-AA6F-4035-8715-EAB82FD9E811}" dt="2022-08-25T11:39:08.858" v="302" actId="20577"/>
           <ac:spMkLst>
             <pc:docMk/>
             <pc:sldMk cId="1780438321" sldId="364"/>
@@ -194,8 +194,23 @@
           </ac:spMkLst>
         </pc:spChg>
       </pc:sldChg>
+      <pc:sldChg chg="modSp mod">
+        <pc:chgData name="Luc Paoli" userId="28bcbf778cf7ff89" providerId="LiveId" clId="{79EF7E6F-AA6F-4035-8715-EAB82FD9E811}" dt="2022-08-25T11:45:19.224" v="775" actId="20577"/>
+        <pc:sldMkLst>
+          <pc:docMk/>
+          <pc:sldMk cId="4141028454" sldId="365"/>
+        </pc:sldMkLst>
+        <pc:spChg chg="mod">
+          <ac:chgData name="Luc Paoli" userId="28bcbf778cf7ff89" providerId="LiveId" clId="{79EF7E6F-AA6F-4035-8715-EAB82FD9E811}" dt="2022-08-25T11:45:19.224" v="775" actId="20577"/>
+          <ac:spMkLst>
+            <pc:docMk/>
+            <pc:sldMk cId="4141028454" sldId="365"/>
+            <ac:spMk id="3" creationId="{3EE6E6B6-5CA5-F662-72EF-7D2A45172B54}"/>
+          </ac:spMkLst>
+        </pc:spChg>
+      </pc:sldChg>
       <pc:sldChg chg="modSp new mod">
-        <pc:chgData name="Luc Paoli" userId="28bcbf778cf7ff89" providerId="LiveId" clId="{79EF7E6F-AA6F-4035-8715-EAB82FD9E811}" dt="2022-08-22T02:46:56.157" v="227" actId="20577"/>
+        <pc:chgData name="Luc Paoli" userId="28bcbf778cf7ff89" providerId="LiveId" clId="{79EF7E6F-AA6F-4035-8715-EAB82FD9E811}" dt="2022-08-25T11:46:40.691" v="913" actId="20577"/>
         <pc:sldMkLst>
           <pc:docMk/>
           <pc:sldMk cId="1327780153" sldId="367"/>
@@ -209,13 +224,20 @@
           </ac:spMkLst>
         </pc:spChg>
         <pc:spChg chg="mod">
-          <ac:chgData name="Luc Paoli" userId="28bcbf778cf7ff89" providerId="LiveId" clId="{79EF7E6F-AA6F-4035-8715-EAB82FD9E811}" dt="2022-08-22T02:46:56.157" v="227" actId="20577"/>
+          <ac:chgData name="Luc Paoli" userId="28bcbf778cf7ff89" providerId="LiveId" clId="{79EF7E6F-AA6F-4035-8715-EAB82FD9E811}" dt="2022-08-25T11:46:40.691" v="913" actId="20577"/>
           <ac:spMkLst>
             <pc:docMk/>
             <pc:sldMk cId="1327780153" sldId="367"/>
             <ac:spMk id="3" creationId="{0C3959A3-1E54-9E65-3DD6-45AA44B9957E}"/>
           </ac:spMkLst>
         </pc:spChg>
+      </pc:sldChg>
+      <pc:sldChg chg="add del">
+        <pc:chgData name="Luc Paoli" userId="28bcbf778cf7ff89" providerId="LiveId" clId="{79EF7E6F-AA6F-4035-8715-EAB82FD9E811}" dt="2022-08-25T11:46:11.718" v="776" actId="2696"/>
+        <pc:sldMkLst>
+          <pc:docMk/>
+          <pc:sldMk cId="832419875" sldId="368"/>
+        </pc:sldMkLst>
       </pc:sldChg>
     </pc:docChg>
   </pc:docChgLst>
@@ -391,7 +413,7 @@
           <a:p>
             <a:fld id="{6D2CC9D1-B559-0843-AD36-897B157130C2}" type="datetimeFigureOut">
               <a:rPr lang="en-US" smtClean="0"/>
-              <a:t>8/22/2022</a:t>
+              <a:t>8/25/2022</a:t>
             </a:fld>
             <a:endParaRPr lang="en-US"/>
           </a:p>
@@ -558,7 +580,7 @@
             <a:fld id="{21E07F8B-42E5-8848-9418-61648E606395}" type="datetimeFigureOut">
               <a:rPr lang="en-US" smtClean="0"/>
               <a:pPr/>
-              <a:t>8/22/2022</a:t>
+              <a:t>8/25/2022</a:t>
             </a:fld>
             <a:endParaRPr lang="en-US"/>
           </a:p>
@@ -5225,7 +5247,7 @@
           <a:p>
             <a:r>
               <a:rPr lang="en-US" dirty="0"/>
-              <a:t>Introduction to the course</a:t>
+              <a:t>Introduction and Review</a:t>
             </a:r>
           </a:p>
           <a:p>
@@ -5376,7 +5398,59 @@
           <a:bodyPr/>
           <a:lstStyle/>
           <a:p>
-            <a:endParaRPr lang="en-GB" dirty="0"/>
+            <a:r>
+              <a:rPr lang="en-GB" b="0" dirty="0"/>
+              <a:t>Welcome to the course!</a:t>
+            </a:r>
+          </a:p>
+          <a:p>
+            <a:r>
+              <a:rPr lang="en-GB" b="0" dirty="0"/>
+              <a:t>Each session will run from 9am to 12pm</a:t>
+            </a:r>
+          </a:p>
+          <a:p>
+            <a:r>
+              <a:rPr lang="en-GB" b="0" dirty="0"/>
+              <a:t>We will aim to have a short break during this time, likely around 10:30 each day</a:t>
+            </a:r>
+          </a:p>
+          <a:p>
+            <a:r>
+              <a:rPr lang="en-GB" b="0" dirty="0"/>
+              <a:t>There are 3 parts to this course:</a:t>
+            </a:r>
+          </a:p>
+          <a:p>
+            <a:pPr marL="914400" lvl="1" indent="-514350">
+              <a:buFont typeface="+mj-lt"/>
+              <a:buAutoNum type="arabicPeriod"/>
+            </a:pPr>
+            <a:r>
+              <a:rPr lang="en-GB" dirty="0"/>
+              <a:t>Introduction &amp; Review (1 hour)</a:t>
+            </a:r>
+          </a:p>
+          <a:p>
+            <a:pPr marL="914400" lvl="1" indent="-514350">
+              <a:buFont typeface="+mj-lt"/>
+              <a:buAutoNum type="arabicPeriod"/>
+            </a:pPr>
+            <a:r>
+              <a:rPr lang="en-GB" dirty="0"/>
+              <a:t>Equations of State (3.5 hours)</a:t>
+            </a:r>
+            <a:endParaRPr lang="en-GB" b="0" dirty="0"/>
+          </a:p>
+          <a:p>
+            <a:pPr marL="914400" lvl="1" indent="-514350">
+              <a:buFont typeface="+mj-lt"/>
+              <a:buAutoNum type="arabicPeriod"/>
+            </a:pPr>
+            <a:r>
+              <a:rPr lang="en-GB" b="0" dirty="0"/>
+              <a:t>Solving the problems (3.5 hours)</a:t>
+            </a:r>
           </a:p>
         </p:txBody>
       </p:sp>
@@ -5525,13 +5599,21 @@
           <a:p>
             <a:r>
               <a:rPr lang="en-GB" b="0" dirty="0"/>
-              <a:t>There are a</a:t>
+              <a:t>There are a few concepts it is important to be familiar with before we begin</a:t>
             </a:r>
           </a:p>
           <a:p>
             <a:r>
               <a:rPr lang="en-GB" b="0" dirty="0"/>
-              <a:t>All properties can be expressed as </a:t>
+              <a:t>First and foremost is </a:t>
+            </a:r>
+            <a:r>
+              <a:rPr lang="en-GB" b="0"/>
+              <a:t>that all </a:t>
+            </a:r>
+            <a:r>
+              <a:rPr lang="en-GB" b="0" dirty="0"/>
+              <a:t>properties can be expressed as </a:t>
             </a:r>
             <a:r>
               <a:rPr lang="en-GB" dirty="0"/>
@@ -5541,7 +5623,9 @@
               <a:rPr lang="en-GB"/>
               <a:t>free energy</a:t>
             </a:r>
-            <a:endParaRPr lang="en-GB" b="0"/>
+          </a:p>
+          <a:p>
+            <a:endParaRPr lang="en-GB" b="0" dirty="0"/>
           </a:p>
         </p:txBody>
       </p:sp>

--- a/Part 1 - Review/Powerpoint Slides/1-1_Introduction.pptx
+++ b/Part 1 - Review/Powerpoint Slides/1-1_Introduction.pptx
@@ -175,7 +175,7 @@
   <pc:docChgLst>
     <pc:chgData name="Luc Paoli" userId="28bcbf778cf7ff89" providerId="LiveId" clId="{79EF7E6F-AA6F-4035-8715-EAB82FD9E811}"/>
     <pc:docChg chg="custSel addSld delSld modSld">
-      <pc:chgData name="Luc Paoli" userId="28bcbf778cf7ff89" providerId="LiveId" clId="{79EF7E6F-AA6F-4035-8715-EAB82FD9E811}" dt="2022-08-25T11:46:40.691" v="913" actId="20577"/>
+      <pc:chgData name="Luc Paoli" userId="28bcbf778cf7ff89" providerId="LiveId" clId="{79EF7E6F-AA6F-4035-8715-EAB82FD9E811}" dt="2022-08-25T14:21:23.168" v="979" actId="2696"/>
       <pc:docMkLst>
         <pc:docMk/>
       </pc:docMkLst>
@@ -210,7 +210,7 @@
         </pc:spChg>
       </pc:sldChg>
       <pc:sldChg chg="modSp new mod">
-        <pc:chgData name="Luc Paoli" userId="28bcbf778cf7ff89" providerId="LiveId" clId="{79EF7E6F-AA6F-4035-8715-EAB82FD9E811}" dt="2022-08-25T11:46:40.691" v="913" actId="20577"/>
+        <pc:chgData name="Luc Paoli" userId="28bcbf778cf7ff89" providerId="LiveId" clId="{79EF7E6F-AA6F-4035-8715-EAB82FD9E811}" dt="2022-08-25T12:08:54.152" v="977" actId="20577"/>
         <pc:sldMkLst>
           <pc:docMk/>
           <pc:sldMk cId="1327780153" sldId="367"/>
@@ -224,7 +224,7 @@
           </ac:spMkLst>
         </pc:spChg>
         <pc:spChg chg="mod">
-          <ac:chgData name="Luc Paoli" userId="28bcbf778cf7ff89" providerId="LiveId" clId="{79EF7E6F-AA6F-4035-8715-EAB82FD9E811}" dt="2022-08-25T11:46:40.691" v="913" actId="20577"/>
+          <ac:chgData name="Luc Paoli" userId="28bcbf778cf7ff89" providerId="LiveId" clId="{79EF7E6F-AA6F-4035-8715-EAB82FD9E811}" dt="2022-08-25T12:08:54.152" v="977" actId="20577"/>
           <ac:spMkLst>
             <pc:docMk/>
             <pc:sldMk cId="1327780153" sldId="367"/>
@@ -237,6 +237,13 @@
         <pc:sldMkLst>
           <pc:docMk/>
           <pc:sldMk cId="832419875" sldId="368"/>
+        </pc:sldMkLst>
+      </pc:sldChg>
+      <pc:sldChg chg="new del">
+        <pc:chgData name="Luc Paoli" userId="28bcbf778cf7ff89" providerId="LiveId" clId="{79EF7E6F-AA6F-4035-8715-EAB82FD9E811}" dt="2022-08-25T14:21:23.168" v="979" actId="2696"/>
+        <pc:sldMkLst>
+          <pc:docMk/>
+          <pc:sldMk cId="1272133813" sldId="368"/>
         </pc:sldMkLst>
       </pc:sldChg>
     </pc:docChg>
@@ -5605,23 +5612,17 @@
           <a:p>
             <a:r>
               <a:rPr lang="en-GB" b="0" dirty="0"/>
-              <a:t>First and foremost is </a:t>
-            </a:r>
-            <a:r>
-              <a:rPr lang="en-GB" b="0"/>
-              <a:t>that all </a:t>
-            </a:r>
+              <a:t>First and foremost is that all properties can be expressed as </a:t>
+            </a:r>
+            <a:r>
+              <a:rPr lang="en-GB" dirty="0"/>
+              <a:t>derivatives of the Helmholtz free energy</a:t>
+            </a:r>
+          </a:p>
+          <a:p>
             <a:r>
               <a:rPr lang="en-GB" b="0" dirty="0"/>
-              <a:t>properties can be expressed as </a:t>
-            </a:r>
-            <a:r>
-              <a:rPr lang="en-GB" dirty="0"/>
-              <a:t>derivatives of the Helmholtz </a:t>
-            </a:r>
-            <a:r>
-              <a:rPr lang="en-GB"/>
-              <a:t>free energy</a:t>
+              <a:t>The Helmholtz free energy </a:t>
             </a:r>
           </a:p>
           <a:p>
